--- a/Planning/PO Meeting 1.pptx
+++ b/Planning/PO Meeting 1.pptx
@@ -109,6 +109,11 @@
       </a:defRPr>
     </a:lvl9pPr>
   </p:defaultTextStyle>
+  <p:extLst>
+    <p:ext uri="{EFAFB233-063F-42B5-8137-9DF3F51BA10A}">
+      <p15:sldGuideLst xmlns:p15="http://schemas.microsoft.com/office/powerpoint/2012/main"/>
+    </p:ext>
+  </p:extLst>
 </p:presentation>
 </file>
 
@@ -334,7 +339,7 @@
           <a:p>
             <a:fld id="{6D22F896-40B5-4ADD-8801-0D06FADFA095}" type="slidenum">
               <a:rPr lang="en-US" dirty="0"/>
-              <a:t>‹#›</a:t>
+              <a:t>‹nr.›</a:t>
             </a:fld>
             <a:endParaRPr lang="en-US" dirty="0"/>
           </a:p>
@@ -586,7 +591,7 @@
           <a:p>
             <a:fld id="{6D22F896-40B5-4ADD-8801-0D06FADFA095}" type="slidenum">
               <a:rPr lang="en-US" dirty="0"/>
-              <a:t>‹#›</a:t>
+              <a:t>‹nr.›</a:t>
             </a:fld>
             <a:endParaRPr lang="en-US" dirty="0"/>
           </a:p>
@@ -823,7 +828,7 @@
           <a:p>
             <a:fld id="{6D22F896-40B5-4ADD-8801-0D06FADFA095}" type="slidenum">
               <a:rPr lang="en-US" dirty="0"/>
-              <a:t>‹#›</a:t>
+              <a:t>‹nr.›</a:t>
             </a:fld>
             <a:endParaRPr lang="en-US" dirty="0"/>
           </a:p>
@@ -1129,7 +1134,7 @@
           <a:p>
             <a:fld id="{6D22F896-40B5-4ADD-8801-0D06FADFA095}" type="slidenum">
               <a:rPr lang="en-US" dirty="0"/>
-              <a:t>‹#›</a:t>
+              <a:t>‹nr.›</a:t>
             </a:fld>
             <a:endParaRPr lang="en-US" dirty="0"/>
           </a:p>
@@ -1598,7 +1603,7 @@
           <a:p>
             <a:fld id="{6D22F896-40B5-4ADD-8801-0D06FADFA095}" type="slidenum">
               <a:rPr lang="en-US" dirty="0"/>
-              <a:t>‹#›</a:t>
+              <a:t>‹nr.›</a:t>
             </a:fld>
             <a:endParaRPr lang="en-US" dirty="0"/>
           </a:p>
@@ -2130,7 +2135,7 @@
           <a:p>
             <a:fld id="{6D22F896-40B5-4ADD-8801-0D06FADFA095}" type="slidenum">
               <a:rPr lang="en-US" dirty="0"/>
-              <a:t>‹#›</a:t>
+              <a:t>‹nr.›</a:t>
             </a:fld>
             <a:endParaRPr lang="en-US" dirty="0"/>
           </a:p>
@@ -2899,7 +2904,7 @@
           <a:p>
             <a:fld id="{6D22F896-40B5-4ADD-8801-0D06FADFA095}" type="slidenum">
               <a:rPr lang="en-US" dirty="0"/>
-              <a:t>‹#›</a:t>
+              <a:t>‹nr.›</a:t>
             </a:fld>
             <a:endParaRPr lang="en-US" dirty="0"/>
           </a:p>
@@ -3069,7 +3074,7 @@
           <a:p>
             <a:fld id="{6D22F896-40B5-4ADD-8801-0D06FADFA095}" type="slidenum">
               <a:rPr lang="en-US" dirty="0"/>
-              <a:t>‹#›</a:t>
+              <a:t>‹nr.›</a:t>
             </a:fld>
             <a:endParaRPr lang="en-US" dirty="0"/>
           </a:p>
@@ -3298,7 +3303,7 @@
           <a:p>
             <a:fld id="{6D22F896-40B5-4ADD-8801-0D06FADFA095}" type="slidenum">
               <a:rPr lang="en-US" dirty="0"/>
-              <a:t>‹#›</a:t>
+              <a:t>‹nr.›</a:t>
             </a:fld>
             <a:endParaRPr lang="en-US" dirty="0"/>
           </a:p>
@@ -3463,7 +3468,7 @@
           <a:p>
             <a:fld id="{6D22F896-40B5-4ADD-8801-0D06FADFA095}" type="slidenum">
               <a:rPr lang="en-US" dirty="0"/>
-              <a:t>‹#›</a:t>
+              <a:t>‹nr.›</a:t>
             </a:fld>
             <a:endParaRPr lang="en-US" dirty="0"/>
           </a:p>
@@ -3758,7 +3763,7 @@
           <a:p>
             <a:fld id="{6D22F896-40B5-4ADD-8801-0D06FADFA095}" type="slidenum">
               <a:rPr lang="en-US" dirty="0"/>
-              <a:t>‹#›</a:t>
+              <a:t>‹nr.›</a:t>
             </a:fld>
             <a:endParaRPr lang="en-US" dirty="0"/>
           </a:p>
@@ -3985,7 +3990,7 @@
           <a:p>
             <a:fld id="{6D22F896-40B5-4ADD-8801-0D06FADFA095}" type="slidenum">
               <a:rPr lang="en-US" dirty="0"/>
-              <a:t>‹#›</a:t>
+              <a:t>‹nr.›</a:t>
             </a:fld>
             <a:endParaRPr lang="en-US" dirty="0"/>
           </a:p>
@@ -4359,7 +4364,7 @@
           <a:p>
             <a:fld id="{6D22F896-40B5-4ADD-8801-0D06FADFA095}" type="slidenum">
               <a:rPr lang="en-US" dirty="0"/>
-              <a:t>‹#›</a:t>
+              <a:t>‹nr.›</a:t>
             </a:fld>
             <a:endParaRPr lang="en-US" dirty="0"/>
           </a:p>
@@ -4472,7 +4477,7 @@
           <a:p>
             <a:fld id="{6D22F896-40B5-4ADD-8801-0D06FADFA095}" type="slidenum">
               <a:rPr lang="en-US" dirty="0"/>
-              <a:t>‹#›</a:t>
+              <a:t>‹nr.›</a:t>
             </a:fld>
             <a:endParaRPr lang="en-US" dirty="0"/>
           </a:p>
@@ -4562,7 +4567,7 @@
           <a:p>
             <a:fld id="{6D22F896-40B5-4ADD-8801-0D06FADFA095}" type="slidenum">
               <a:rPr lang="en-US" dirty="0"/>
-              <a:t>‹#›</a:t>
+              <a:t>‹nr.›</a:t>
             </a:fld>
             <a:endParaRPr lang="en-US" dirty="0"/>
           </a:p>
@@ -4806,7 +4811,7 @@
           <a:p>
             <a:fld id="{6D22F896-40B5-4ADD-8801-0D06FADFA095}" type="slidenum">
               <a:rPr lang="en-US" dirty="0"/>
-              <a:t>‹#›</a:t>
+              <a:t>‹nr.›</a:t>
             </a:fld>
             <a:endParaRPr lang="en-US" dirty="0"/>
           </a:p>
@@ -5058,7 +5063,7 @@
           <a:p>
             <a:fld id="{6D22F896-40B5-4ADD-8801-0D06FADFA095}" type="slidenum">
               <a:rPr lang="en-US" dirty="0"/>
-              <a:t>‹#›</a:t>
+              <a:t>‹nr.›</a:t>
             </a:fld>
             <a:endParaRPr lang="en-US" dirty="0"/>
           </a:p>
@@ -5334,7 +5339,7 @@
             <a:fld id="{6D22F896-40B5-4ADD-8801-0D06FADFA095}" type="slidenum">
               <a:rPr lang="en-US" dirty="0"/>
               <a:pPr/>
-              <a:t>‹#›</a:t>
+              <a:t>‹nr.›</a:t>
             </a:fld>
             <a:endParaRPr lang="en-US" dirty="0"/>
           </a:p>
@@ -6044,7 +6049,7 @@
             <a:pPr lvl="1"/>
             <a:r>
               <a:rPr lang="en-US" dirty="0"/>
-              <a:t>As a customer, I want to be able to log into my bank account using my </a:t>
+              <a:t>1 As a customer, I want to be able to log into my bank account using my </a:t>
             </a:r>
             <a:r>
               <a:rPr lang="en-US" dirty="0" err="1"/>
@@ -6164,7 +6169,7 @@
             <a:pPr lvl="1"/>
             <a:r>
               <a:rPr lang="en-US" dirty="0"/>
-              <a:t>As a security specialist , I want the ATM to remember the amount of login attempts so that I can lock out that user after a certain number of tries.</a:t>
+              <a:t>2 As a security specialist , I want the ATM to remember the amount of login attempts so that I can lock out that user after a certain number of tries.</a:t>
             </a:r>
           </a:p>
           <a:p>
@@ -6182,7 +6187,7 @@
             <a:pPr lvl="1"/>
             <a:r>
               <a:rPr lang="en-GB" dirty="0"/>
-              <a:t>As a customer, I want my card blocked after 3 wrong login attempts so that thieves and robbers can’t access my money if they have stolen my card;</a:t>
+              <a:t>3 As a customer, I want my card blocked after 3 wrong login attempts so that thieves and robbers can’t access my money if they have stolen my card;</a:t>
             </a:r>
           </a:p>
           <a:p>

--- a/Planning/PO Meeting 1.pptx
+++ b/Planning/PO Meeting 1.pptx
@@ -287,7 +287,7 @@
           <a:p>
             <a:fld id="{48A87A34-81AB-432B-8DAE-1953F412C126}" type="datetimeFigureOut">
               <a:rPr lang="en-US" dirty="0"/>
-              <a:t>2/18/2020</a:t>
+              <a:t>3/10/2020</a:t>
             </a:fld>
             <a:endParaRPr lang="en-US" dirty="0"/>
           </a:p>
@@ -339,7 +339,7 @@
           <a:p>
             <a:fld id="{6D22F896-40B5-4ADD-8801-0D06FADFA095}" type="slidenum">
               <a:rPr lang="en-US" dirty="0"/>
-              <a:t>‹nr.›</a:t>
+              <a:t>‹#›</a:t>
             </a:fld>
             <a:endParaRPr lang="en-US" dirty="0"/>
           </a:p>
@@ -549,7 +549,7 @@
           <a:p>
             <a:fld id="{48A87A34-81AB-432B-8DAE-1953F412C126}" type="datetimeFigureOut">
               <a:rPr lang="en-US" dirty="0"/>
-              <a:t>2/18/2020</a:t>
+              <a:t>3/10/2020</a:t>
             </a:fld>
             <a:endParaRPr lang="en-US" dirty="0"/>
           </a:p>
@@ -591,7 +591,7 @@
           <a:p>
             <a:fld id="{6D22F896-40B5-4ADD-8801-0D06FADFA095}" type="slidenum">
               <a:rPr lang="en-US" dirty="0"/>
-              <a:t>‹nr.›</a:t>
+              <a:t>‹#›</a:t>
             </a:fld>
             <a:endParaRPr lang="en-US" dirty="0"/>
           </a:p>
@@ -776,7 +776,7 @@
             <a:fld id="{48A87A34-81AB-432B-8DAE-1953F412C126}" type="datetimeFigureOut">
               <a:rPr lang="en-US" dirty="0"/>
               <a:pPr/>
-              <a:t>2/18/2020</a:t>
+              <a:t>3/10/2020</a:t>
             </a:fld>
             <a:endParaRPr lang="en-US" dirty="0"/>
           </a:p>
@@ -828,7 +828,7 @@
           <a:p>
             <a:fld id="{6D22F896-40B5-4ADD-8801-0D06FADFA095}" type="slidenum">
               <a:rPr lang="en-US" dirty="0"/>
-              <a:t>‹nr.›</a:t>
+              <a:t>‹#›</a:t>
             </a:fld>
             <a:endParaRPr lang="en-US" dirty="0"/>
           </a:p>
@@ -1082,7 +1082,7 @@
             <a:fld id="{48A87A34-81AB-432B-8DAE-1953F412C126}" type="datetimeFigureOut">
               <a:rPr lang="en-US" dirty="0"/>
               <a:pPr/>
-              <a:t>2/18/2020</a:t>
+              <a:t>3/10/2020</a:t>
             </a:fld>
             <a:endParaRPr lang="en-US" dirty="0"/>
           </a:p>
@@ -1134,7 +1134,7 @@
           <a:p>
             <a:fld id="{6D22F896-40B5-4ADD-8801-0D06FADFA095}" type="slidenum">
               <a:rPr lang="en-US" dirty="0"/>
-              <a:t>‹nr.›</a:t>
+              <a:t>‹#›</a:t>
             </a:fld>
             <a:endParaRPr lang="en-US" dirty="0"/>
           </a:p>
@@ -1551,7 +1551,7 @@
             <a:fld id="{48A87A34-81AB-432B-8DAE-1953F412C126}" type="datetimeFigureOut">
               <a:rPr lang="en-US" dirty="0"/>
               <a:pPr/>
-              <a:t>2/18/2020</a:t>
+              <a:t>3/10/2020</a:t>
             </a:fld>
             <a:endParaRPr lang="en-US" dirty="0"/>
           </a:p>
@@ -1603,7 +1603,7 @@
           <a:p>
             <a:fld id="{6D22F896-40B5-4ADD-8801-0D06FADFA095}" type="slidenum">
               <a:rPr lang="en-US" dirty="0"/>
-              <a:t>‹nr.›</a:t>
+              <a:t>‹#›</a:t>
             </a:fld>
             <a:endParaRPr lang="en-US" dirty="0"/>
           </a:p>
@@ -2093,7 +2093,7 @@
           <a:p>
             <a:fld id="{48A87A34-81AB-432B-8DAE-1953F412C126}" type="datetimeFigureOut">
               <a:rPr lang="en-US" dirty="0"/>
-              <a:t>2/18/2020</a:t>
+              <a:t>3/10/2020</a:t>
             </a:fld>
             <a:endParaRPr lang="en-US" dirty="0"/>
           </a:p>
@@ -2135,7 +2135,7 @@
           <a:p>
             <a:fld id="{6D22F896-40B5-4ADD-8801-0D06FADFA095}" type="slidenum">
               <a:rPr lang="en-US" dirty="0"/>
-              <a:t>‹nr.›</a:t>
+              <a:t>‹#›</a:t>
             </a:fld>
             <a:endParaRPr lang="en-US" dirty="0"/>
           </a:p>
@@ -2862,7 +2862,7 @@
           <a:p>
             <a:fld id="{48A87A34-81AB-432B-8DAE-1953F412C126}" type="datetimeFigureOut">
               <a:rPr lang="en-US" dirty="0"/>
-              <a:t>2/18/2020</a:t>
+              <a:t>3/10/2020</a:t>
             </a:fld>
             <a:endParaRPr lang="en-US" dirty="0"/>
           </a:p>
@@ -2904,7 +2904,7 @@
           <a:p>
             <a:fld id="{6D22F896-40B5-4ADD-8801-0D06FADFA095}" type="slidenum">
               <a:rPr lang="en-US" dirty="0"/>
-              <a:t>‹nr.›</a:t>
+              <a:t>‹#›</a:t>
             </a:fld>
             <a:endParaRPr lang="en-US" dirty="0"/>
           </a:p>
@@ -3032,7 +3032,7 @@
           <a:p>
             <a:fld id="{48A87A34-81AB-432B-8DAE-1953F412C126}" type="datetimeFigureOut">
               <a:rPr lang="en-US" dirty="0"/>
-              <a:t>2/18/2020</a:t>
+              <a:t>3/10/2020</a:t>
             </a:fld>
             <a:endParaRPr lang="en-US" dirty="0"/>
           </a:p>
@@ -3074,7 +3074,7 @@
           <a:p>
             <a:fld id="{6D22F896-40B5-4ADD-8801-0D06FADFA095}" type="slidenum">
               <a:rPr lang="en-US" dirty="0"/>
-              <a:t>‹nr.›</a:t>
+              <a:t>‹#›</a:t>
             </a:fld>
             <a:endParaRPr lang="en-US" dirty="0"/>
           </a:p>
@@ -3251,7 +3251,7 @@
             <a:fld id="{48A87A34-81AB-432B-8DAE-1953F412C126}" type="datetimeFigureOut">
               <a:rPr lang="en-US" dirty="0"/>
               <a:pPr/>
-              <a:t>2/18/2020</a:t>
+              <a:t>3/10/2020</a:t>
             </a:fld>
             <a:endParaRPr lang="en-US" dirty="0"/>
           </a:p>
@@ -3303,7 +3303,7 @@
           <a:p>
             <a:fld id="{6D22F896-40B5-4ADD-8801-0D06FADFA095}" type="slidenum">
               <a:rPr lang="en-US" dirty="0"/>
-              <a:t>‹nr.›</a:t>
+              <a:t>‹#›</a:t>
             </a:fld>
             <a:endParaRPr lang="en-US" dirty="0"/>
           </a:p>
@@ -3426,7 +3426,7 @@
           <a:p>
             <a:fld id="{48A87A34-81AB-432B-8DAE-1953F412C126}" type="datetimeFigureOut">
               <a:rPr lang="en-US" dirty="0"/>
-              <a:t>2/18/2020</a:t>
+              <a:t>3/10/2020</a:t>
             </a:fld>
             <a:endParaRPr lang="en-US" dirty="0"/>
           </a:p>
@@ -3468,7 +3468,7 @@
           <a:p>
             <a:fld id="{6D22F896-40B5-4ADD-8801-0D06FADFA095}" type="slidenum">
               <a:rPr lang="en-US" dirty="0"/>
-              <a:t>‹nr.›</a:t>
+              <a:t>‹#›</a:t>
             </a:fld>
             <a:endParaRPr lang="en-US" dirty="0"/>
           </a:p>
@@ -3711,7 +3711,7 @@
             <a:fld id="{48A87A34-81AB-432B-8DAE-1953F412C126}" type="datetimeFigureOut">
               <a:rPr lang="en-US" dirty="0"/>
               <a:pPr/>
-              <a:t>2/18/2020</a:t>
+              <a:t>3/10/2020</a:t>
             </a:fld>
             <a:endParaRPr lang="en-US" dirty="0"/>
           </a:p>
@@ -3763,7 +3763,7 @@
           <a:p>
             <a:fld id="{6D22F896-40B5-4ADD-8801-0D06FADFA095}" type="slidenum">
               <a:rPr lang="en-US" dirty="0"/>
-              <a:t>‹nr.›</a:t>
+              <a:t>‹#›</a:t>
             </a:fld>
             <a:endParaRPr lang="en-US" dirty="0"/>
           </a:p>
@@ -3948,7 +3948,7 @@
           <a:p>
             <a:fld id="{48A87A34-81AB-432B-8DAE-1953F412C126}" type="datetimeFigureOut">
               <a:rPr lang="en-US" dirty="0"/>
-              <a:t>2/18/2020</a:t>
+              <a:t>3/10/2020</a:t>
             </a:fld>
             <a:endParaRPr lang="en-US" dirty="0"/>
           </a:p>
@@ -3990,7 +3990,7 @@
           <a:p>
             <a:fld id="{6D22F896-40B5-4ADD-8801-0D06FADFA095}" type="slidenum">
               <a:rPr lang="en-US" dirty="0"/>
-              <a:t>‹nr.›</a:t>
+              <a:t>‹#›</a:t>
             </a:fld>
             <a:endParaRPr lang="en-US" dirty="0"/>
           </a:p>
@@ -4322,7 +4322,7 @@
           <a:p>
             <a:fld id="{48A87A34-81AB-432B-8DAE-1953F412C126}" type="datetimeFigureOut">
               <a:rPr lang="en-US" dirty="0"/>
-              <a:t>2/18/2020</a:t>
+              <a:t>3/10/2020</a:t>
             </a:fld>
             <a:endParaRPr lang="en-US" dirty="0"/>
           </a:p>
@@ -4364,7 +4364,7 @@
           <a:p>
             <a:fld id="{6D22F896-40B5-4ADD-8801-0D06FADFA095}" type="slidenum">
               <a:rPr lang="en-US" dirty="0"/>
-              <a:t>‹nr.›</a:t>
+              <a:t>‹#›</a:t>
             </a:fld>
             <a:endParaRPr lang="en-US" dirty="0"/>
           </a:p>
@@ -4435,7 +4435,7 @@
           <a:p>
             <a:fld id="{48A87A34-81AB-432B-8DAE-1953F412C126}" type="datetimeFigureOut">
               <a:rPr lang="en-US" dirty="0"/>
-              <a:t>2/18/2020</a:t>
+              <a:t>3/10/2020</a:t>
             </a:fld>
             <a:endParaRPr lang="en-US" dirty="0"/>
           </a:p>
@@ -4477,7 +4477,7 @@
           <a:p>
             <a:fld id="{6D22F896-40B5-4ADD-8801-0D06FADFA095}" type="slidenum">
               <a:rPr lang="en-US" dirty="0"/>
-              <a:t>‹nr.›</a:t>
+              <a:t>‹#›</a:t>
             </a:fld>
             <a:endParaRPr lang="en-US" dirty="0"/>
           </a:p>
@@ -4525,7 +4525,7 @@
           <a:p>
             <a:fld id="{48A87A34-81AB-432B-8DAE-1953F412C126}" type="datetimeFigureOut">
               <a:rPr lang="en-US" dirty="0"/>
-              <a:t>2/18/2020</a:t>
+              <a:t>3/10/2020</a:t>
             </a:fld>
             <a:endParaRPr lang="en-US" dirty="0"/>
           </a:p>
@@ -4567,7 +4567,7 @@
           <a:p>
             <a:fld id="{6D22F896-40B5-4ADD-8801-0D06FADFA095}" type="slidenum">
               <a:rPr lang="en-US" dirty="0"/>
-              <a:t>‹nr.›</a:t>
+              <a:t>‹#›</a:t>
             </a:fld>
             <a:endParaRPr lang="en-US" dirty="0"/>
           </a:p>
@@ -4769,7 +4769,7 @@
           <a:p>
             <a:fld id="{48A87A34-81AB-432B-8DAE-1953F412C126}" type="datetimeFigureOut">
               <a:rPr lang="en-US" dirty="0"/>
-              <a:t>2/18/2020</a:t>
+              <a:t>3/10/2020</a:t>
             </a:fld>
             <a:endParaRPr lang="en-US" dirty="0"/>
           </a:p>
@@ -4811,7 +4811,7 @@
           <a:p>
             <a:fld id="{6D22F896-40B5-4ADD-8801-0D06FADFA095}" type="slidenum">
               <a:rPr lang="en-US" dirty="0"/>
-              <a:t>‹nr.›</a:t>
+              <a:t>‹#›</a:t>
             </a:fld>
             <a:endParaRPr lang="en-US" dirty="0"/>
           </a:p>
@@ -5021,7 +5021,7 @@
           <a:p>
             <a:fld id="{48A87A34-81AB-432B-8DAE-1953F412C126}" type="datetimeFigureOut">
               <a:rPr lang="en-US" dirty="0"/>
-              <a:t>2/18/2020</a:t>
+              <a:t>3/10/2020</a:t>
             </a:fld>
             <a:endParaRPr lang="en-US" dirty="0"/>
           </a:p>
@@ -5063,7 +5063,7 @@
           <a:p>
             <a:fld id="{6D22F896-40B5-4ADD-8801-0D06FADFA095}" type="slidenum">
               <a:rPr lang="en-US" dirty="0"/>
-              <a:t>‹nr.›</a:t>
+              <a:t>‹#›</a:t>
             </a:fld>
             <a:endParaRPr lang="en-US" dirty="0"/>
           </a:p>
@@ -5260,7 +5260,7 @@
             <a:fld id="{48A87A34-81AB-432B-8DAE-1953F412C126}" type="datetimeFigureOut">
               <a:rPr lang="en-US" dirty="0"/>
               <a:pPr/>
-              <a:t>2/18/2020</a:t>
+              <a:t>3/10/2020</a:t>
             </a:fld>
             <a:endParaRPr lang="en-US" dirty="0"/>
           </a:p>
@@ -5339,7 +5339,7 @@
             <a:fld id="{6D22F896-40B5-4ADD-8801-0D06FADFA095}" type="slidenum">
               <a:rPr lang="en-US" dirty="0"/>
               <a:pPr/>
-              <a:t>‹nr.›</a:t>
+              <a:t>‹#›</a:t>
             </a:fld>
             <a:endParaRPr lang="en-US" dirty="0"/>
           </a:p>
